--- a/Ho_so_PTTKPM/Phan_cong_Do_an.pptx
+++ b/Ho_so_PTTKPM/Phan_cong_Do_an.pptx
@@ -2768,7 +2768,7 @@
           <p:nvPr/>
         </p:nvGraphicFramePr>
         <p:xfrm>
-          <a:off x="1830070" y="1250950"/>
+          <a:off x="1830070" y="1091565"/>
           <a:ext cx="8532495" cy="1905000"/>
         </p:xfrm>
         <a:graphic>
@@ -2874,13 +2874,19 @@
                       </a:pPr>
                       <a:r>
                         <a:rPr lang="en-US"/>
-                        <a:t>Nhóm trưởng, thiết kế mô hình đối tượng, b</a:t>
+                        <a:t>Nhóm trưởng, thiết kế mô hình đối tượng, </a:t>
                       </a:r>
                       <a:r>
                         <a:rPr lang="en-US" sz="1800">
                           <a:sym typeface="+mn-ea"/>
                         </a:rPr>
-                        <a:t>ổ sung dịch vụ cho phân hệ khách tham quan</a:t>
+                        <a:t>bổ sung các phần liên quan phân hệ khách tham quan cho </a:t>
+                      </a:r>
+                      <a:r>
+                        <a:rPr lang="en-US" sz="1800">
+                          <a:sym typeface="+mn-ea"/>
+                        </a:rPr>
+                        <a:t>dịch vụ</a:t>
                       </a:r>
                       <a:r>
                         <a:rPr lang="en-US"/>
@@ -2944,7 +2950,17 @@
                       </a:pPr>
                       <a:r>
                         <a:rPr lang="en-US"/>
-                        <a:t>Tạo dữ liệu phim, làm phân hệ nhân viên bán vé, bổ sung dịch vụ cho phân hệ nhân viên bán vé, </a:t>
+                        <a:t>Tạo dữ liệu phim, làm phân hệ nhân viên bán vé, bổ sung các phần liên quan phân hệ nhân viên bán vé cho </a:t>
+                      </a:r>
+                      <a:r>
+                        <a:rPr lang="en-US" sz="1800">
+                          <a:sym typeface="+mn-ea"/>
+                        </a:rPr>
+                        <a:t>dịch vụ</a:t>
+                      </a:r>
+                      <a:r>
+                        <a:rPr lang="en-US"/>
+                        <a:t>, </a:t>
                       </a:r>
                       <a:r>
                         <a:rPr lang="en-US" sz="1800">
@@ -3002,7 +3018,25 @@
                         <a:rPr lang="en-US" sz="1800">
                           <a:sym typeface="+mn-ea"/>
                         </a:rPr>
-                        <a:t>làm phân hệ quản lý nhân viên, bổ sung dịch vụ cho phân hệ quản lý nhân viên, làm hồ sơ phân tích thiết kế phân hệ quản lý nhân viên</a:t>
+                        <a:t>làm phân hệ quản lý nhân viên, </a:t>
+                      </a:r>
+                      <a:r>
+                        <a:rPr lang="en-US" sz="1800">
+                          <a:sym typeface="+mn-ea"/>
+                        </a:rPr>
+                        <a:t>bổ sung các phần liên quan phân hệ quản lý nhân viên cho </a:t>
+                      </a:r>
+                      <a:r>
+                        <a:rPr lang="en-US" sz="1800">
+                          <a:sym typeface="+mn-ea"/>
+                        </a:rPr>
+                        <a:t>dịch vụ</a:t>
+                      </a:r>
+                      <a:r>
+                        <a:rPr lang="en-US" sz="1800">
+                          <a:sym typeface="+mn-ea"/>
+                        </a:rPr>
+                        <a:t>, làm hồ sơ phân tích thiết kế phân hệ quản lý nhân viên</a:t>
                       </a:r>
                       <a:endParaRPr lang="en-US"/>
                     </a:p>
@@ -3054,7 +3088,25 @@
                         <a:rPr lang="en-US" sz="1800">
                           <a:sym typeface="+mn-ea"/>
                         </a:rPr>
-                        <a:t>làm phân hệ quản lý phim, bổ sung dịch vụ cho phân hệ quản lý phimn, làm hồ sơ phân tích thiết kế phân hệ quản lý phim</a:t>
+                        <a:t>làm phân hệ quản lý phim, </a:t>
+                      </a:r>
+                      <a:r>
+                        <a:rPr lang="en-US" sz="1800">
+                          <a:sym typeface="+mn-ea"/>
+                        </a:rPr>
+                        <a:t>bổ sung các phần liên quan phân hệ quản lý phim cho </a:t>
+                      </a:r>
+                      <a:r>
+                        <a:rPr lang="en-US" sz="1800">
+                          <a:sym typeface="+mn-ea"/>
+                        </a:rPr>
+                        <a:t>dịch vụ</a:t>
+                      </a:r>
+                      <a:r>
+                        <a:rPr lang="en-US" sz="1800">
+                          <a:sym typeface="+mn-ea"/>
+                        </a:rPr>
+                        <a:t>, làm hồ sơ phân tích thiết kế phân hệ quản lý phim</a:t>
                       </a:r>
                       <a:endParaRPr lang="en-US" sz="1800"/>
                     </a:p>
